--- a/Graduation_Project/mef2103_HUYNH_Truong Tu.pptx
+++ b/Graduation_Project/mef2103_HUYNH_Truong Tu.pptx
@@ -5,53 +5,54 @@
     <p:sldMasterId id="2147483659" r:id="rId1"/>
   </p:sldMasterIdLst>
   <p:notesMasterIdLst>
-    <p:notesMasterId r:id="rId17"/>
+    <p:notesMasterId r:id="rId18"/>
   </p:notesMasterIdLst>
   <p:sldIdLst>
     <p:sldId id="256" r:id="rId2"/>
     <p:sldId id="257" r:id="rId3"/>
-    <p:sldId id="258" r:id="rId4"/>
-    <p:sldId id="259" r:id="rId5"/>
-    <p:sldId id="260" r:id="rId6"/>
-    <p:sldId id="261" r:id="rId7"/>
-    <p:sldId id="262" r:id="rId8"/>
-    <p:sldId id="263" r:id="rId9"/>
-    <p:sldId id="264" r:id="rId10"/>
-    <p:sldId id="265" r:id="rId11"/>
-    <p:sldId id="266" r:id="rId12"/>
-    <p:sldId id="267" r:id="rId13"/>
-    <p:sldId id="268" r:id="rId14"/>
-    <p:sldId id="269" r:id="rId15"/>
-    <p:sldId id="270" r:id="rId16"/>
+    <p:sldId id="271" r:id="rId4"/>
+    <p:sldId id="258" r:id="rId5"/>
+    <p:sldId id="259" r:id="rId6"/>
+    <p:sldId id="260" r:id="rId7"/>
+    <p:sldId id="261" r:id="rId8"/>
+    <p:sldId id="262" r:id="rId9"/>
+    <p:sldId id="263" r:id="rId10"/>
+    <p:sldId id="264" r:id="rId11"/>
+    <p:sldId id="265" r:id="rId12"/>
+    <p:sldId id="266" r:id="rId13"/>
+    <p:sldId id="267" r:id="rId14"/>
+    <p:sldId id="268" r:id="rId15"/>
+    <p:sldId id="269" r:id="rId16"/>
+    <p:sldId id="270" r:id="rId17"/>
   </p:sldIdLst>
   <p:sldSz cx="9144000" cy="5143500" type="screen16x9"/>
   <p:notesSz cx="6858000" cy="9144000"/>
   <p:embeddedFontLst>
     <p:embeddedFont>
-      <p:font typeface="Raleway" panose="020B0604020202020204" charset="0"/>
-      <p:regular r:id="rId18"/>
-      <p:bold r:id="rId19"/>
-      <p:italic r:id="rId20"/>
-      <p:boldItalic r:id="rId21"/>
-    </p:embeddedFont>
-    <p:embeddedFont>
       <p:font typeface="Montserrat" panose="020B0604020202020204" charset="0"/>
-      <p:regular r:id="rId22"/>
-      <p:bold r:id="rId23"/>
-      <p:italic r:id="rId24"/>
-      <p:boldItalic r:id="rId25"/>
+      <p:regular r:id="rId19"/>
+      <p:bold r:id="rId20"/>
+      <p:italic r:id="rId21"/>
+      <p:boldItalic r:id="rId22"/>
     </p:embeddedFont>
     <p:embeddedFont>
       <p:font typeface="Lato Black" panose="020B0604020202020204" charset="0"/>
-      <p:bold r:id="rId26"/>
-      <p:boldItalic r:id="rId27"/>
+      <p:bold r:id="rId23"/>
+      <p:boldItalic r:id="rId24"/>
     </p:embeddedFont>
     <p:embeddedFont>
       <p:font typeface="Lato" panose="020B0604020202020204" charset="0"/>
-      <p:regular r:id="rId28"/>
-      <p:bold r:id="rId29"/>
-      <p:italic r:id="rId30"/>
-      <p:boldItalic r:id="rId31"/>
+      <p:regular r:id="rId25"/>
+      <p:bold r:id="rId26"/>
+      <p:italic r:id="rId27"/>
+      <p:boldItalic r:id="rId28"/>
+    </p:embeddedFont>
+    <p:embeddedFont>
+      <p:font typeface="Raleway" panose="020B0604020202020204" charset="0"/>
+      <p:regular r:id="rId29"/>
+      <p:bold r:id="rId30"/>
+      <p:italic r:id="rId31"/>
+      <p:boldItalic r:id="rId32"/>
     </p:embeddedFont>
   </p:embeddedFontLst>
   <p:defaultTextStyle>
@@ -852,6 +853,110 @@
   <p:cSld>
     <p:spTree>
       <p:nvGrpSpPr>
+        <p:cNvPr id="1" name="Shape 166"/>
+        <p:cNvGrpSpPr/>
+        <p:nvPr/>
+      </p:nvGrpSpPr>
+      <p:grpSpPr>
+        <a:xfrm>
+          <a:off x="0" y="0"/>
+          <a:ext cx="0" cy="0"/>
+          <a:chOff x="0" y="0"/>
+          <a:chExt cx="0" cy="0"/>
+        </a:xfrm>
+      </p:grpSpPr>
+      <p:sp>
+        <p:nvSpPr>
+          <p:cNvPr id="167" name="Google Shape;167;gfa243c8d1a_0_147:notes"/>
+          <p:cNvSpPr>
+            <a:spLocks noGrp="1" noRot="1" noChangeAspect="1"/>
+          </p:cNvSpPr>
+          <p:nvPr>
+            <p:ph type="sldImg" idx="2"/>
+          </p:nvPr>
+        </p:nvSpPr>
+        <p:spPr>
+          <a:xfrm>
+            <a:off x="381000" y="685800"/>
+            <a:ext cx="6096000" cy="3429000"/>
+          </a:xfrm>
+          <a:custGeom>
+            <a:avLst/>
+            <a:gdLst/>
+            <a:ahLst/>
+            <a:cxnLst/>
+            <a:rect l="l" t="t" r="r" b="b"/>
+            <a:pathLst>
+              <a:path w="120000" h="120000" extrusionOk="0">
+                <a:moveTo>
+                  <a:pt x="0" y="0"/>
+                </a:moveTo>
+                <a:lnTo>
+                  <a:pt x="120000" y="0"/>
+                </a:lnTo>
+                <a:lnTo>
+                  <a:pt x="120000" y="120000"/>
+                </a:lnTo>
+                <a:lnTo>
+                  <a:pt x="0" y="120000"/>
+                </a:lnTo>
+                <a:close/>
+              </a:path>
+            </a:pathLst>
+          </a:custGeom>
+        </p:spPr>
+      </p:sp>
+      <p:sp>
+        <p:nvSpPr>
+          <p:cNvPr id="168" name="Google Shape;168;gfa243c8d1a_0_147:notes"/>
+          <p:cNvSpPr txBox="1">
+            <a:spLocks noGrp="1"/>
+          </p:cNvSpPr>
+          <p:nvPr>
+            <p:ph type="body" idx="1"/>
+          </p:nvPr>
+        </p:nvSpPr>
+        <p:spPr>
+          <a:xfrm>
+            <a:off x="685800" y="4343400"/>
+            <a:ext cx="5486400" cy="4114800"/>
+          </a:xfrm>
+          <a:prstGeom prst="rect">
+            <a:avLst/>
+          </a:prstGeom>
+        </p:spPr>
+        <p:txBody>
+          <a:bodyPr spcFirstLastPara="1" wrap="square" lIns="91425" tIns="91425" rIns="91425" bIns="91425" anchor="t" anchorCtr="0">
+            <a:noAutofit/>
+          </a:bodyPr>
+          <a:lstStyle/>
+          <a:p>
+            <a:pPr marL="0" lvl="0" indent="0" algn="l" rtl="0">
+              <a:spcBef>
+                <a:spcPts val="0"/>
+              </a:spcBef>
+              <a:spcAft>
+                <a:spcPts val="0"/>
+              </a:spcAft>
+              <a:buNone/>
+            </a:pPr>
+            <a:endParaRPr/>
+          </a:p>
+        </p:txBody>
+      </p:sp>
+    </p:spTree>
+  </p:cSld>
+  <p:clrMapOvr>
+    <a:masterClrMapping/>
+  </p:clrMapOvr>
+</p:notes>
+</file>
+
+<file path=ppt/notesSlides/notesSlide11.xml><?xml version="1.0" encoding="utf-8"?>
+<p:notes xmlns:a="http://schemas.openxmlformats.org/drawingml/2006/main" xmlns:r="http://schemas.openxmlformats.org/officeDocument/2006/relationships" xmlns:p="http://schemas.openxmlformats.org/presentationml/2006/main" showMasterSp="0" showMasterPhAnim="0">
+  <p:cSld>
+    <p:spTree>
+      <p:nvGrpSpPr>
         <p:cNvPr id="1" name="Shape 175"/>
         <p:cNvGrpSpPr/>
         <p:nvPr/>
@@ -951,7 +1056,7 @@
 </p:notes>
 </file>
 
-<file path=ppt/notesSlides/notesSlide11.xml><?xml version="1.0" encoding="utf-8"?>
+<file path=ppt/notesSlides/notesSlide12.xml><?xml version="1.0" encoding="utf-8"?>
 <p:notes xmlns:a="http://schemas.openxmlformats.org/drawingml/2006/main" xmlns:r="http://schemas.openxmlformats.org/officeDocument/2006/relationships" xmlns:p="http://schemas.openxmlformats.org/presentationml/2006/main" showMasterSp="0" showMasterPhAnim="0">
   <p:cSld>
     <p:spTree>
@@ -1055,7 +1160,7 @@
 </p:notes>
 </file>
 
-<file path=ppt/notesSlides/notesSlide12.xml><?xml version="1.0" encoding="utf-8"?>
+<file path=ppt/notesSlides/notesSlide13.xml><?xml version="1.0" encoding="utf-8"?>
 <p:notes xmlns:a="http://schemas.openxmlformats.org/drawingml/2006/main" xmlns:r="http://schemas.openxmlformats.org/officeDocument/2006/relationships" xmlns:p="http://schemas.openxmlformats.org/presentationml/2006/main" showMasterSp="0" showMasterPhAnim="0">
   <p:cSld>
     <p:spTree>
@@ -1159,7 +1264,7 @@
 </p:notes>
 </file>
 
-<file path=ppt/notesSlides/notesSlide13.xml><?xml version="1.0" encoding="utf-8"?>
+<file path=ppt/notesSlides/notesSlide14.xml><?xml version="1.0" encoding="utf-8"?>
 <p:notes xmlns:a="http://schemas.openxmlformats.org/drawingml/2006/main" xmlns:r="http://schemas.openxmlformats.org/officeDocument/2006/relationships" xmlns:p="http://schemas.openxmlformats.org/presentationml/2006/main" showMasterSp="0" showMasterPhAnim="0">
   <p:cSld>
     <p:spTree>
@@ -1263,7 +1368,7 @@
 </p:notes>
 </file>
 
-<file path=ppt/notesSlides/notesSlide14.xml><?xml version="1.0" encoding="utf-8"?>
+<file path=ppt/notesSlides/notesSlide15.xml><?xml version="1.0" encoding="utf-8"?>
 <p:notes xmlns:a="http://schemas.openxmlformats.org/drawingml/2006/main" xmlns:r="http://schemas.openxmlformats.org/officeDocument/2006/relationships" xmlns:p="http://schemas.openxmlformats.org/presentationml/2006/main" showMasterSp="0" showMasterPhAnim="0">
   <p:cSld>
     <p:spTree>
@@ -1367,7 +1472,7 @@
 </p:notes>
 </file>
 
-<file path=ppt/notesSlides/notesSlide15.xml><?xml version="1.0" encoding="utf-8"?>
+<file path=ppt/notesSlides/notesSlide16.xml><?xml version="1.0" encoding="utf-8"?>
 <p:notes xmlns:a="http://schemas.openxmlformats.org/drawingml/2006/main" xmlns:r="http://schemas.openxmlformats.org/officeDocument/2006/relationships" xmlns:p="http://schemas.openxmlformats.org/presentationml/2006/main" showMasterSp="0" showMasterPhAnim="0">
   <p:cSld>
     <p:spTree>
@@ -1580,6 +1685,115 @@
   <p:cSld>
     <p:spTree>
       <p:nvGrpSpPr>
+        <p:cNvPr id="1" name="Shape 90"/>
+        <p:cNvGrpSpPr/>
+        <p:nvPr/>
+      </p:nvGrpSpPr>
+      <p:grpSpPr>
+        <a:xfrm>
+          <a:off x="0" y="0"/>
+          <a:ext cx="0" cy="0"/>
+          <a:chOff x="0" y="0"/>
+          <a:chExt cx="0" cy="0"/>
+        </a:xfrm>
+      </p:grpSpPr>
+      <p:sp>
+        <p:nvSpPr>
+          <p:cNvPr id="91" name="Google Shape;91;gfa243c8d1a_0_78:notes"/>
+          <p:cNvSpPr>
+            <a:spLocks noGrp="1" noRot="1" noChangeAspect="1"/>
+          </p:cNvSpPr>
+          <p:nvPr>
+            <p:ph type="sldImg" idx="2"/>
+          </p:nvPr>
+        </p:nvSpPr>
+        <p:spPr>
+          <a:xfrm>
+            <a:off x="381000" y="685800"/>
+            <a:ext cx="6096000" cy="3429000"/>
+          </a:xfrm>
+          <a:custGeom>
+            <a:avLst/>
+            <a:gdLst/>
+            <a:ahLst/>
+            <a:cxnLst/>
+            <a:rect l="l" t="t" r="r" b="b"/>
+            <a:pathLst>
+              <a:path w="120000" h="120000" extrusionOk="0">
+                <a:moveTo>
+                  <a:pt x="0" y="0"/>
+                </a:moveTo>
+                <a:lnTo>
+                  <a:pt x="120000" y="0"/>
+                </a:lnTo>
+                <a:lnTo>
+                  <a:pt x="120000" y="120000"/>
+                </a:lnTo>
+                <a:lnTo>
+                  <a:pt x="0" y="120000"/>
+                </a:lnTo>
+                <a:close/>
+              </a:path>
+            </a:pathLst>
+          </a:custGeom>
+        </p:spPr>
+      </p:sp>
+      <p:sp>
+        <p:nvSpPr>
+          <p:cNvPr id="92" name="Google Shape;92;gfa243c8d1a_0_78:notes"/>
+          <p:cNvSpPr txBox="1">
+            <a:spLocks noGrp="1"/>
+          </p:cNvSpPr>
+          <p:nvPr>
+            <p:ph type="body" idx="1"/>
+          </p:nvPr>
+        </p:nvSpPr>
+        <p:spPr>
+          <a:xfrm>
+            <a:off x="685800" y="4343400"/>
+            <a:ext cx="5486400" cy="4114800"/>
+          </a:xfrm>
+          <a:prstGeom prst="rect">
+            <a:avLst/>
+          </a:prstGeom>
+        </p:spPr>
+        <p:txBody>
+          <a:bodyPr spcFirstLastPara="1" wrap="square" lIns="91425" tIns="91425" rIns="91425" bIns="91425" anchor="t" anchorCtr="0">
+            <a:noAutofit/>
+          </a:bodyPr>
+          <a:lstStyle/>
+          <a:p>
+            <a:pPr marL="0" lvl="0" indent="0" algn="l" rtl="0">
+              <a:spcBef>
+                <a:spcPts val="0"/>
+              </a:spcBef>
+              <a:spcAft>
+                <a:spcPts val="0"/>
+              </a:spcAft>
+              <a:buNone/>
+            </a:pPr>
+            <a:endParaRPr/>
+          </a:p>
+        </p:txBody>
+      </p:sp>
+    </p:spTree>
+    <p:extLst>
+      <p:ext uri="{BB962C8B-B14F-4D97-AF65-F5344CB8AC3E}">
+        <p14:creationId xmlns:p14="http://schemas.microsoft.com/office/powerpoint/2010/main" val="1433294173"/>
+      </p:ext>
+    </p:extLst>
+  </p:cSld>
+  <p:clrMapOvr>
+    <a:masterClrMapping/>
+  </p:clrMapOvr>
+</p:notes>
+</file>
+
+<file path=ppt/notesSlides/notesSlide4.xml><?xml version="1.0" encoding="utf-8"?>
+<p:notes xmlns:a="http://schemas.openxmlformats.org/drawingml/2006/main" xmlns:r="http://schemas.openxmlformats.org/officeDocument/2006/relationships" xmlns:p="http://schemas.openxmlformats.org/presentationml/2006/main" showMasterSp="0" showMasterPhAnim="0">
+  <p:cSld>
+    <p:spTree>
+      <p:nvGrpSpPr>
         <p:cNvPr id="1" name="Shape 98"/>
         <p:cNvGrpSpPr/>
         <p:nvPr/>
@@ -1679,7 +1893,7 @@
 </p:notes>
 </file>
 
-<file path=ppt/notesSlides/notesSlide4.xml><?xml version="1.0" encoding="utf-8"?>
+<file path=ppt/notesSlides/notesSlide5.xml><?xml version="1.0" encoding="utf-8"?>
 <p:notes xmlns:a="http://schemas.openxmlformats.org/drawingml/2006/main" xmlns:r="http://schemas.openxmlformats.org/officeDocument/2006/relationships" xmlns:p="http://schemas.openxmlformats.org/presentationml/2006/main" showMasterSp="0" showMasterPhAnim="0">
   <p:cSld>
     <p:spTree>
@@ -1783,7 +1997,7 @@
 </p:notes>
 </file>
 
-<file path=ppt/notesSlides/notesSlide5.xml><?xml version="1.0" encoding="utf-8"?>
+<file path=ppt/notesSlides/notesSlide6.xml><?xml version="1.0" encoding="utf-8"?>
 <p:notes xmlns:a="http://schemas.openxmlformats.org/drawingml/2006/main" xmlns:r="http://schemas.openxmlformats.org/officeDocument/2006/relationships" xmlns:p="http://schemas.openxmlformats.org/presentationml/2006/main" showMasterSp="0" showMasterPhAnim="0">
   <p:cSld>
     <p:spTree>
@@ -1887,7 +2101,7 @@
 </p:notes>
 </file>
 
-<file path=ppt/notesSlides/notesSlide6.xml><?xml version="1.0" encoding="utf-8"?>
+<file path=ppt/notesSlides/notesSlide7.xml><?xml version="1.0" encoding="utf-8"?>
 <p:notes xmlns:a="http://schemas.openxmlformats.org/drawingml/2006/main" xmlns:r="http://schemas.openxmlformats.org/officeDocument/2006/relationships" xmlns:p="http://schemas.openxmlformats.org/presentationml/2006/main" showMasterSp="0" showMasterPhAnim="0">
   <p:cSld>
     <p:spTree>
@@ -1991,7 +2205,7 @@
 </p:notes>
 </file>
 
-<file path=ppt/notesSlides/notesSlide7.xml><?xml version="1.0" encoding="utf-8"?>
+<file path=ppt/notesSlides/notesSlide8.xml><?xml version="1.0" encoding="utf-8"?>
 <p:notes xmlns:a="http://schemas.openxmlformats.org/drawingml/2006/main" xmlns:r="http://schemas.openxmlformats.org/officeDocument/2006/relationships" xmlns:p="http://schemas.openxmlformats.org/presentationml/2006/main" showMasterSp="0" showMasterPhAnim="0">
   <p:cSld>
     <p:spTree>
@@ -2095,7 +2309,7 @@
 </p:notes>
 </file>
 
-<file path=ppt/notesSlides/notesSlide8.xml><?xml version="1.0" encoding="utf-8"?>
+<file path=ppt/notesSlides/notesSlide9.xml><?xml version="1.0" encoding="utf-8"?>
 <p:notes xmlns:a="http://schemas.openxmlformats.org/drawingml/2006/main" xmlns:r="http://schemas.openxmlformats.org/officeDocument/2006/relationships" xmlns:p="http://schemas.openxmlformats.org/presentationml/2006/main" showMasterSp="0" showMasterPhAnim="0">
   <p:cSld>
     <p:spTree>
@@ -2156,110 +2370,6 @@
       <p:sp>
         <p:nvSpPr>
           <p:cNvPr id="162" name="Google Shape;162;gfa243c8d1a_0_87:notes"/>
-          <p:cNvSpPr txBox="1">
-            <a:spLocks noGrp="1"/>
-          </p:cNvSpPr>
-          <p:nvPr>
-            <p:ph type="body" idx="1"/>
-          </p:nvPr>
-        </p:nvSpPr>
-        <p:spPr>
-          <a:xfrm>
-            <a:off x="685800" y="4343400"/>
-            <a:ext cx="5486400" cy="4114800"/>
-          </a:xfrm>
-          <a:prstGeom prst="rect">
-            <a:avLst/>
-          </a:prstGeom>
-        </p:spPr>
-        <p:txBody>
-          <a:bodyPr spcFirstLastPara="1" wrap="square" lIns="91425" tIns="91425" rIns="91425" bIns="91425" anchor="t" anchorCtr="0">
-            <a:noAutofit/>
-          </a:bodyPr>
-          <a:lstStyle/>
-          <a:p>
-            <a:pPr marL="0" lvl="0" indent="0" algn="l" rtl="0">
-              <a:spcBef>
-                <a:spcPts val="0"/>
-              </a:spcBef>
-              <a:spcAft>
-                <a:spcPts val="0"/>
-              </a:spcAft>
-              <a:buNone/>
-            </a:pPr>
-            <a:endParaRPr/>
-          </a:p>
-        </p:txBody>
-      </p:sp>
-    </p:spTree>
-  </p:cSld>
-  <p:clrMapOvr>
-    <a:masterClrMapping/>
-  </p:clrMapOvr>
-</p:notes>
-</file>
-
-<file path=ppt/notesSlides/notesSlide9.xml><?xml version="1.0" encoding="utf-8"?>
-<p:notes xmlns:a="http://schemas.openxmlformats.org/drawingml/2006/main" xmlns:r="http://schemas.openxmlformats.org/officeDocument/2006/relationships" xmlns:p="http://schemas.openxmlformats.org/presentationml/2006/main" showMasterSp="0" showMasterPhAnim="0">
-  <p:cSld>
-    <p:spTree>
-      <p:nvGrpSpPr>
-        <p:cNvPr id="1" name="Shape 166"/>
-        <p:cNvGrpSpPr/>
-        <p:nvPr/>
-      </p:nvGrpSpPr>
-      <p:grpSpPr>
-        <a:xfrm>
-          <a:off x="0" y="0"/>
-          <a:ext cx="0" cy="0"/>
-          <a:chOff x="0" y="0"/>
-          <a:chExt cx="0" cy="0"/>
-        </a:xfrm>
-      </p:grpSpPr>
-      <p:sp>
-        <p:nvSpPr>
-          <p:cNvPr id="167" name="Google Shape;167;gfa243c8d1a_0_147:notes"/>
-          <p:cNvSpPr>
-            <a:spLocks noGrp="1" noRot="1" noChangeAspect="1"/>
-          </p:cNvSpPr>
-          <p:nvPr>
-            <p:ph type="sldImg" idx="2"/>
-          </p:nvPr>
-        </p:nvSpPr>
-        <p:spPr>
-          <a:xfrm>
-            <a:off x="381000" y="685800"/>
-            <a:ext cx="6096000" cy="3429000"/>
-          </a:xfrm>
-          <a:custGeom>
-            <a:avLst/>
-            <a:gdLst/>
-            <a:ahLst/>
-            <a:cxnLst/>
-            <a:rect l="l" t="t" r="r" b="b"/>
-            <a:pathLst>
-              <a:path w="120000" h="120000" extrusionOk="0">
-                <a:moveTo>
-                  <a:pt x="0" y="0"/>
-                </a:moveTo>
-                <a:lnTo>
-                  <a:pt x="120000" y="0"/>
-                </a:lnTo>
-                <a:lnTo>
-                  <a:pt x="120000" y="120000"/>
-                </a:lnTo>
-                <a:lnTo>
-                  <a:pt x="0" y="120000"/>
-                </a:lnTo>
-                <a:close/>
-              </a:path>
-            </a:pathLst>
-          </a:custGeom>
-        </p:spPr>
-      </p:sp>
-      <p:sp>
-        <p:nvSpPr>
-          <p:cNvPr id="168" name="Google Shape;168;gfa243c8d1a_0_147:notes"/>
           <p:cNvSpPr txBox="1">
             <a:spLocks noGrp="1"/>
           </p:cNvSpPr>
@@ -9369,6 +9479,326 @@
   <p:cSld>
     <p:spTree>
       <p:nvGrpSpPr>
+        <p:cNvPr id="1" name="Shape 169"/>
+        <p:cNvGrpSpPr/>
+        <p:nvPr/>
+      </p:nvGrpSpPr>
+      <p:grpSpPr>
+        <a:xfrm>
+          <a:off x="0" y="0"/>
+          <a:ext cx="0" cy="0"/>
+          <a:chOff x="0" y="0"/>
+          <a:chExt cx="0" cy="0"/>
+        </a:xfrm>
+      </p:grpSpPr>
+      <p:sp>
+        <p:nvSpPr>
+          <p:cNvPr id="170" name="Google Shape;170;p21"/>
+          <p:cNvSpPr txBox="1"/>
+          <p:nvPr/>
+        </p:nvSpPr>
+        <p:spPr>
+          <a:xfrm>
+            <a:off x="669754" y="447182"/>
+            <a:ext cx="3000000" cy="831300"/>
+          </a:xfrm>
+          <a:prstGeom prst="rect">
+            <a:avLst/>
+          </a:prstGeom>
+          <a:noFill/>
+          <a:ln>
+            <a:noFill/>
+          </a:ln>
+        </p:spPr>
+        <p:txBody>
+          <a:bodyPr spcFirstLastPara="1" wrap="square" lIns="91425" tIns="91425" rIns="91425" bIns="91425" anchor="t" anchorCtr="0">
+            <a:spAutoFit/>
+          </a:bodyPr>
+          <a:lstStyle/>
+          <a:p>
+            <a:pPr marL="0" lvl="0" indent="0" algn="l" rtl="0">
+              <a:spcBef>
+                <a:spcPts val="0"/>
+              </a:spcBef>
+              <a:spcAft>
+                <a:spcPts val="0"/>
+              </a:spcAft>
+              <a:buNone/>
+            </a:pPr>
+            <a:r>
+              <a:rPr lang="en-GB" sz="2100">
+                <a:latin typeface="Lato Black"/>
+                <a:ea typeface="Lato Black"/>
+                <a:cs typeface="Lato Black"/>
+                <a:sym typeface="Lato Black"/>
+              </a:rPr>
+              <a:t>N-gram Language Model</a:t>
+            </a:r>
+            <a:endParaRPr sz="2100">
+              <a:latin typeface="Lato Black"/>
+              <a:ea typeface="Lato Black"/>
+              <a:cs typeface="Lato Black"/>
+              <a:sym typeface="Lato Black"/>
+            </a:endParaRPr>
+          </a:p>
+        </p:txBody>
+      </p:sp>
+      <p:sp>
+        <p:nvSpPr>
+          <p:cNvPr id="171" name="Google Shape;171;p21"/>
+          <p:cNvSpPr txBox="1"/>
+          <p:nvPr/>
+        </p:nvSpPr>
+        <p:spPr>
+          <a:xfrm>
+            <a:off x="745951" y="1449821"/>
+            <a:ext cx="6888000" cy="415500"/>
+          </a:xfrm>
+          <a:prstGeom prst="rect">
+            <a:avLst/>
+          </a:prstGeom>
+          <a:noFill/>
+          <a:ln>
+            <a:noFill/>
+          </a:ln>
+        </p:spPr>
+        <p:txBody>
+          <a:bodyPr spcFirstLastPara="1" wrap="square" lIns="91425" tIns="91425" rIns="91425" bIns="91425" anchor="t" anchorCtr="0">
+            <a:spAutoFit/>
+          </a:bodyPr>
+          <a:lstStyle/>
+          <a:p>
+            <a:pPr marL="0" lvl="0" indent="0" algn="l" rtl="0">
+              <a:spcBef>
+                <a:spcPts val="0"/>
+              </a:spcBef>
+              <a:spcAft>
+                <a:spcPts val="0"/>
+              </a:spcAft>
+              <a:buNone/>
+            </a:pPr>
+            <a:r>
+              <a:rPr lang="en-GB" sz="1500"/>
+              <a:t>An N-gram is a sequence of N tokens (or words).</a:t>
+            </a:r>
+            <a:endParaRPr sz="1500"/>
+          </a:p>
+        </p:txBody>
+      </p:sp>
+      <p:sp>
+        <p:nvSpPr>
+          <p:cNvPr id="172" name="Google Shape;172;p21"/>
+          <p:cNvSpPr txBox="1"/>
+          <p:nvPr/>
+        </p:nvSpPr>
+        <p:spPr>
+          <a:xfrm>
+            <a:off x="0" y="1905000"/>
+            <a:ext cx="9144000" cy="415500"/>
+          </a:xfrm>
+          <a:prstGeom prst="rect">
+            <a:avLst/>
+          </a:prstGeom>
+          <a:noFill/>
+          <a:ln>
+            <a:noFill/>
+          </a:ln>
+        </p:spPr>
+        <p:txBody>
+          <a:bodyPr spcFirstLastPara="1" wrap="square" lIns="91425" tIns="91425" rIns="91425" bIns="91425" anchor="t" anchorCtr="0">
+            <a:spAutoFit/>
+          </a:bodyPr>
+          <a:lstStyle/>
+          <a:p>
+            <a:pPr marL="0" lvl="0" indent="0" algn="ctr" rtl="0">
+              <a:spcBef>
+                <a:spcPts val="0"/>
+              </a:spcBef>
+              <a:spcAft>
+                <a:spcPts val="0"/>
+              </a:spcAft>
+              <a:buNone/>
+            </a:pPr>
+            <a:r>
+              <a:rPr lang="en-GB" sz="1500"/>
+              <a:t>“I learn data mining.”</a:t>
+            </a:r>
+            <a:endParaRPr sz="1500"/>
+          </a:p>
+        </p:txBody>
+      </p:sp>
+      <p:sp>
+        <p:nvSpPr>
+          <p:cNvPr id="173" name="Google Shape;173;p21"/>
+          <p:cNvSpPr txBox="1"/>
+          <p:nvPr/>
+        </p:nvSpPr>
+        <p:spPr>
+          <a:xfrm>
+            <a:off x="745950" y="2362200"/>
+            <a:ext cx="7836600" cy="1108200"/>
+          </a:xfrm>
+          <a:prstGeom prst="rect">
+            <a:avLst/>
+          </a:prstGeom>
+          <a:noFill/>
+          <a:ln>
+            <a:noFill/>
+          </a:ln>
+        </p:spPr>
+        <p:txBody>
+          <a:bodyPr spcFirstLastPara="1" wrap="square" lIns="91425" tIns="91425" rIns="91425" bIns="91425" anchor="t" anchorCtr="0">
+            <a:spAutoFit/>
+          </a:bodyPr>
+          <a:lstStyle/>
+          <a:p>
+            <a:pPr marL="457200" lvl="0" indent="-323850" algn="l" rtl="0">
+              <a:spcBef>
+                <a:spcPts val="0"/>
+              </a:spcBef>
+              <a:spcAft>
+                <a:spcPts val="0"/>
+              </a:spcAft>
+              <a:buSzPts val="1500"/>
+              <a:buChar char="●"/>
+            </a:pPr>
+            <a:r>
+              <a:rPr lang="en-GB" sz="1500"/>
+              <a:t>A 1-gram (or </a:t>
+            </a:r>
+            <a:r>
+              <a:rPr lang="en-GB" sz="1500" b="1"/>
+              <a:t>unigram</a:t>
+            </a:r>
+            <a:r>
+              <a:rPr lang="en-GB" sz="1500"/>
+              <a:t>) is a one-word sequence: </a:t>
+            </a:r>
+            <a:br>
+              <a:rPr lang="en-GB" sz="1500"/>
+            </a:br>
+            <a:r>
+              <a:rPr lang="en-GB" sz="1500"/>
+              <a:t>“I”, “learn”, “data”, “mining”.</a:t>
+            </a:r>
+            <a:endParaRPr sz="1500"/>
+          </a:p>
+          <a:p>
+            <a:pPr marL="457200" lvl="0" indent="-323850" algn="l" rtl="0">
+              <a:spcBef>
+                <a:spcPts val="0"/>
+              </a:spcBef>
+              <a:spcAft>
+                <a:spcPts val="0"/>
+              </a:spcAft>
+              <a:buSzPts val="1500"/>
+              <a:buChar char="●"/>
+            </a:pPr>
+            <a:r>
+              <a:rPr lang="en-GB" sz="1500"/>
+              <a:t>A 2-gram (or </a:t>
+            </a:r>
+            <a:r>
+              <a:rPr lang="en-GB" sz="1500" b="1"/>
+              <a:t>bigram</a:t>
+            </a:r>
+            <a:r>
+              <a:rPr lang="en-GB" sz="1500"/>
+              <a:t>) is a two-word sequence of words:</a:t>
+            </a:r>
+            <a:br>
+              <a:rPr lang="en-GB" sz="1500"/>
+            </a:br>
+            <a:r>
+              <a:rPr lang="en-GB" sz="1500"/>
+              <a:t>“I learn”, “learn data”, “data mining”. -&gt; bigger size regarding bags of words</a:t>
+            </a:r>
+            <a:endParaRPr sz="1500"/>
+          </a:p>
+        </p:txBody>
+      </p:sp>
+      <p:sp>
+        <p:nvSpPr>
+          <p:cNvPr id="174" name="Google Shape;174;p21"/>
+          <p:cNvSpPr txBox="1"/>
+          <p:nvPr/>
+        </p:nvSpPr>
+        <p:spPr>
+          <a:xfrm>
+            <a:off x="256675" y="3519225"/>
+            <a:ext cx="7836600" cy="646500"/>
+          </a:xfrm>
+          <a:prstGeom prst="rect">
+            <a:avLst/>
+          </a:prstGeom>
+          <a:noFill/>
+          <a:ln>
+            <a:noFill/>
+          </a:ln>
+        </p:spPr>
+        <p:txBody>
+          <a:bodyPr spcFirstLastPara="1" wrap="square" lIns="91425" tIns="91425" rIns="91425" bIns="91425" anchor="t" anchorCtr="0">
+            <a:spAutoFit/>
+          </a:bodyPr>
+          <a:lstStyle/>
+          <a:p>
+            <a:pPr marL="457200" lvl="0" indent="-323850" algn="l" rtl="0">
+              <a:spcBef>
+                <a:spcPts val="0"/>
+              </a:spcBef>
+              <a:spcAft>
+                <a:spcPts val="0"/>
+              </a:spcAft>
+              <a:buSzPts val="1500"/>
+              <a:buFont typeface="Lato"/>
+              <a:buChar char="➢"/>
+            </a:pPr>
+            <a:r>
+              <a:rPr lang="en-GB" sz="1500">
+                <a:latin typeface="Lato"/>
+                <a:ea typeface="Lato"/>
+                <a:cs typeface="Lato"/>
+                <a:sym typeface="Lato"/>
+              </a:rPr>
+              <a:t>In this mini project concept ( predict using occurrence of keywords - TfIDF) →  </a:t>
+            </a:r>
+            <a:r>
+              <a:rPr lang="en-GB" sz="1500">
+                <a:solidFill>
+                  <a:srgbClr val="CC4125"/>
+                </a:solidFill>
+                <a:latin typeface="Lato"/>
+                <a:ea typeface="Lato"/>
+                <a:cs typeface="Lato"/>
+                <a:sym typeface="Lato"/>
+              </a:rPr>
+              <a:t>mainly using unigram</a:t>
+            </a:r>
+            <a:endParaRPr sz="1500">
+              <a:solidFill>
+                <a:srgbClr val="CC4125"/>
+              </a:solidFill>
+              <a:latin typeface="Lato"/>
+              <a:ea typeface="Lato"/>
+              <a:cs typeface="Lato"/>
+              <a:sym typeface="Lato"/>
+            </a:endParaRPr>
+          </a:p>
+        </p:txBody>
+      </p:sp>
+    </p:spTree>
+  </p:cSld>
+  <p:clrMapOvr>
+    <a:masterClrMapping/>
+  </p:clrMapOvr>
+</p:sld>
+</file>
+
+<file path=ppt/slides/slide11.xml><?xml version="1.0" encoding="utf-8"?>
+<p:sld xmlns:a="http://schemas.openxmlformats.org/drawingml/2006/main" xmlns:r="http://schemas.openxmlformats.org/officeDocument/2006/relationships" xmlns:p="http://schemas.openxmlformats.org/presentationml/2006/main">
+  <p:cSld>
+    <p:spTree>
+      <p:nvGrpSpPr>
         <p:cNvPr id="1" name="Shape 178"/>
         <p:cNvGrpSpPr/>
         <p:nvPr/>
@@ -9467,138 +9897,6 @@
       <p:sp>
         <p:nvSpPr>
           <p:cNvPr id="182" name="Google Shape;182;p22"/>
-          <p:cNvSpPr txBox="1"/>
-          <p:nvPr/>
-        </p:nvSpPr>
-        <p:spPr>
-          <a:xfrm>
-            <a:off x="888440" y="705850"/>
-            <a:ext cx="869400" cy="507900"/>
-          </a:xfrm>
-          <a:prstGeom prst="rect">
-            <a:avLst/>
-          </a:prstGeom>
-          <a:noFill/>
-          <a:ln>
-            <a:noFill/>
-          </a:ln>
-        </p:spPr>
-        <p:txBody>
-          <a:bodyPr spcFirstLastPara="1" wrap="square" lIns="91425" tIns="91425" rIns="91425" bIns="91425" anchor="t" anchorCtr="0">
-            <a:spAutoFit/>
-          </a:bodyPr>
-          <a:lstStyle/>
-          <a:p>
-            <a:pPr marL="0" lvl="0" indent="0" algn="l" rtl="0">
-              <a:spcBef>
-                <a:spcPts val="0"/>
-              </a:spcBef>
-              <a:spcAft>
-                <a:spcPts val="0"/>
-              </a:spcAft>
-              <a:buNone/>
-            </a:pPr>
-            <a:r>
-              <a:rPr lang="en-GB" sz="2100">
-                <a:latin typeface="Lato Black"/>
-                <a:ea typeface="Lato Black"/>
-                <a:cs typeface="Lato Black"/>
-                <a:sym typeface="Lato Black"/>
-              </a:rPr>
-              <a:t>EDA </a:t>
-            </a:r>
-            <a:endParaRPr sz="2100">
-              <a:latin typeface="Lato Black"/>
-              <a:ea typeface="Lato Black"/>
-              <a:cs typeface="Lato Black"/>
-              <a:sym typeface="Lato Black"/>
-            </a:endParaRPr>
-          </a:p>
-        </p:txBody>
-      </p:sp>
-    </p:spTree>
-  </p:cSld>
-  <p:clrMapOvr>
-    <a:masterClrMapping/>
-  </p:clrMapOvr>
-</p:sld>
-</file>
-
-<file path=ppt/slides/slide11.xml><?xml version="1.0" encoding="utf-8"?>
-<p:sld xmlns:a="http://schemas.openxmlformats.org/drawingml/2006/main" xmlns:r="http://schemas.openxmlformats.org/officeDocument/2006/relationships" xmlns:p="http://schemas.openxmlformats.org/presentationml/2006/main">
-  <p:cSld>
-    <p:spTree>
-      <p:nvGrpSpPr>
-        <p:cNvPr id="1" name="Shape 186"/>
-        <p:cNvGrpSpPr/>
-        <p:nvPr/>
-      </p:nvGrpSpPr>
-      <p:grpSpPr>
-        <a:xfrm>
-          <a:off x="0" y="0"/>
-          <a:ext cx="0" cy="0"/>
-          <a:chOff x="0" y="0"/>
-          <a:chExt cx="0" cy="0"/>
-        </a:xfrm>
-      </p:grpSpPr>
-      <p:pic>
-        <p:nvPicPr>
-          <p:cNvPr id="187" name="Google Shape;187;p23"/>
-          <p:cNvPicPr preferRelativeResize="0"/>
-          <p:nvPr/>
-        </p:nvPicPr>
-        <p:blipFill rotWithShape="1">
-          <a:blip r:embed="rId3">
-            <a:alphaModFix/>
-          </a:blip>
-          <a:srcRect t="1283"/>
-          <a:stretch/>
-        </p:blipFill>
-        <p:spPr>
-          <a:xfrm>
-            <a:off x="483300" y="1303425"/>
-            <a:ext cx="3669750" cy="3707724"/>
-          </a:xfrm>
-          <a:prstGeom prst="rect">
-            <a:avLst/>
-          </a:prstGeom>
-          <a:noFill/>
-          <a:ln>
-            <a:noFill/>
-          </a:ln>
-        </p:spPr>
-      </p:pic>
-      <p:pic>
-        <p:nvPicPr>
-          <p:cNvPr id="188" name="Google Shape;188;p23"/>
-          <p:cNvPicPr preferRelativeResize="0"/>
-          <p:nvPr/>
-        </p:nvPicPr>
-        <p:blipFill>
-          <a:blip r:embed="rId4">
-            <a:alphaModFix/>
-          </a:blip>
-          <a:stretch>
-            <a:fillRect/>
-          </a:stretch>
-        </p:blipFill>
-        <p:spPr>
-          <a:xfrm>
-            <a:off x="4448275" y="1212350"/>
-            <a:ext cx="4111626" cy="3798800"/>
-          </a:xfrm>
-          <a:prstGeom prst="rect">
-            <a:avLst/>
-          </a:prstGeom>
-          <a:noFill/>
-          <a:ln>
-            <a:noFill/>
-          </a:ln>
-        </p:spPr>
-      </p:pic>
-      <p:sp>
-        <p:nvSpPr>
-          <p:cNvPr id="189" name="Google Shape;189;p23"/>
           <p:cNvSpPr txBox="1"/>
           <p:nvPr/>
         </p:nvSpPr>
@@ -9661,6 +9959,138 @@
   <p:cSld>
     <p:spTree>
       <p:nvGrpSpPr>
+        <p:cNvPr id="1" name="Shape 186"/>
+        <p:cNvGrpSpPr/>
+        <p:nvPr/>
+      </p:nvGrpSpPr>
+      <p:grpSpPr>
+        <a:xfrm>
+          <a:off x="0" y="0"/>
+          <a:ext cx="0" cy="0"/>
+          <a:chOff x="0" y="0"/>
+          <a:chExt cx="0" cy="0"/>
+        </a:xfrm>
+      </p:grpSpPr>
+      <p:pic>
+        <p:nvPicPr>
+          <p:cNvPr id="187" name="Google Shape;187;p23"/>
+          <p:cNvPicPr preferRelativeResize="0"/>
+          <p:nvPr/>
+        </p:nvPicPr>
+        <p:blipFill rotWithShape="1">
+          <a:blip r:embed="rId3">
+            <a:alphaModFix/>
+          </a:blip>
+          <a:srcRect t="1283"/>
+          <a:stretch/>
+        </p:blipFill>
+        <p:spPr>
+          <a:xfrm>
+            <a:off x="483300" y="1303425"/>
+            <a:ext cx="3669750" cy="3707724"/>
+          </a:xfrm>
+          <a:prstGeom prst="rect">
+            <a:avLst/>
+          </a:prstGeom>
+          <a:noFill/>
+          <a:ln>
+            <a:noFill/>
+          </a:ln>
+        </p:spPr>
+      </p:pic>
+      <p:pic>
+        <p:nvPicPr>
+          <p:cNvPr id="188" name="Google Shape;188;p23"/>
+          <p:cNvPicPr preferRelativeResize="0"/>
+          <p:nvPr/>
+        </p:nvPicPr>
+        <p:blipFill>
+          <a:blip r:embed="rId4">
+            <a:alphaModFix/>
+          </a:blip>
+          <a:stretch>
+            <a:fillRect/>
+          </a:stretch>
+        </p:blipFill>
+        <p:spPr>
+          <a:xfrm>
+            <a:off x="4448275" y="1212350"/>
+            <a:ext cx="4111626" cy="3798800"/>
+          </a:xfrm>
+          <a:prstGeom prst="rect">
+            <a:avLst/>
+          </a:prstGeom>
+          <a:noFill/>
+          <a:ln>
+            <a:noFill/>
+          </a:ln>
+        </p:spPr>
+      </p:pic>
+      <p:sp>
+        <p:nvSpPr>
+          <p:cNvPr id="189" name="Google Shape;189;p23"/>
+          <p:cNvSpPr txBox="1"/>
+          <p:nvPr/>
+        </p:nvSpPr>
+        <p:spPr>
+          <a:xfrm>
+            <a:off x="888440" y="705850"/>
+            <a:ext cx="869400" cy="507900"/>
+          </a:xfrm>
+          <a:prstGeom prst="rect">
+            <a:avLst/>
+          </a:prstGeom>
+          <a:noFill/>
+          <a:ln>
+            <a:noFill/>
+          </a:ln>
+        </p:spPr>
+        <p:txBody>
+          <a:bodyPr spcFirstLastPara="1" wrap="square" lIns="91425" tIns="91425" rIns="91425" bIns="91425" anchor="t" anchorCtr="0">
+            <a:spAutoFit/>
+          </a:bodyPr>
+          <a:lstStyle/>
+          <a:p>
+            <a:pPr marL="0" lvl="0" indent="0" algn="l" rtl="0">
+              <a:spcBef>
+                <a:spcPts val="0"/>
+              </a:spcBef>
+              <a:spcAft>
+                <a:spcPts val="0"/>
+              </a:spcAft>
+              <a:buNone/>
+            </a:pPr>
+            <a:r>
+              <a:rPr lang="en-GB" sz="2100">
+                <a:latin typeface="Lato Black"/>
+                <a:ea typeface="Lato Black"/>
+                <a:cs typeface="Lato Black"/>
+                <a:sym typeface="Lato Black"/>
+              </a:rPr>
+              <a:t>EDA </a:t>
+            </a:r>
+            <a:endParaRPr sz="2100">
+              <a:latin typeface="Lato Black"/>
+              <a:ea typeface="Lato Black"/>
+              <a:cs typeface="Lato Black"/>
+              <a:sym typeface="Lato Black"/>
+            </a:endParaRPr>
+          </a:p>
+        </p:txBody>
+      </p:sp>
+    </p:spTree>
+  </p:cSld>
+  <p:clrMapOvr>
+    <a:masterClrMapping/>
+  </p:clrMapOvr>
+</p:sld>
+</file>
+
+<file path=ppt/slides/slide13.xml><?xml version="1.0" encoding="utf-8"?>
+<p:sld xmlns:a="http://schemas.openxmlformats.org/drawingml/2006/main" xmlns:r="http://schemas.openxmlformats.org/officeDocument/2006/relationships" xmlns:p="http://schemas.openxmlformats.org/presentationml/2006/main">
+  <p:cSld>
+    <p:spTree>
+      <p:nvGrpSpPr>
         <p:cNvPr id="1" name="Shape 193"/>
         <p:cNvGrpSpPr/>
         <p:nvPr/>
@@ -10019,7 +10449,7 @@
 </p:sld>
 </file>
 
-<file path=ppt/slides/slide13.xml><?xml version="1.0" encoding="utf-8"?>
+<file path=ppt/slides/slide14.xml><?xml version="1.0" encoding="utf-8"?>
 <p:sld xmlns:a="http://schemas.openxmlformats.org/drawingml/2006/main" xmlns:r="http://schemas.openxmlformats.org/officeDocument/2006/relationships" xmlns:p="http://schemas.openxmlformats.org/presentationml/2006/main">
   <p:cSld>
     <p:spTree>
@@ -10224,7 +10654,7 @@
 </p:sld>
 </file>
 
-<file path=ppt/slides/slide14.xml><?xml version="1.0" encoding="utf-8"?>
+<file path=ppt/slides/slide15.xml><?xml version="1.0" encoding="utf-8"?>
 <p:sld xmlns:a="http://schemas.openxmlformats.org/drawingml/2006/main" xmlns:r="http://schemas.openxmlformats.org/officeDocument/2006/relationships" xmlns:p="http://schemas.openxmlformats.org/presentationml/2006/main">
   <p:cSld>
     <p:spTree>
@@ -10682,7 +11112,7 @@
 </p:sld>
 </file>
 
-<file path=ppt/slides/slide15.xml><?xml version="1.0" encoding="utf-8"?>
+<file path=ppt/slides/slide16.xml><?xml version="1.0" encoding="utf-8"?>
 <p:sld xmlns:a="http://schemas.openxmlformats.org/drawingml/2006/main" xmlns:r="http://schemas.openxmlformats.org/officeDocument/2006/relationships" xmlns:p="http://schemas.openxmlformats.org/presentationml/2006/main">
   <p:cSld>
     <p:spTree>
@@ -10736,6 +11166,365 @@
 </file>
 
 <file path=ppt/slides/slide2.xml><?xml version="1.0" encoding="utf-8"?>
+<p:sld xmlns:a="http://schemas.openxmlformats.org/drawingml/2006/main" xmlns:r="http://schemas.openxmlformats.org/officeDocument/2006/relationships" xmlns:p="http://schemas.openxmlformats.org/presentationml/2006/main">
+  <p:cSld>
+    <p:spTree>
+      <p:nvGrpSpPr>
+        <p:cNvPr id="1" name="Shape 93"/>
+        <p:cNvGrpSpPr/>
+        <p:nvPr/>
+      </p:nvGrpSpPr>
+      <p:grpSpPr>
+        <a:xfrm>
+          <a:off x="0" y="0"/>
+          <a:ext cx="0" cy="0"/>
+          <a:chOff x="0" y="0"/>
+          <a:chExt cx="0" cy="0"/>
+        </a:xfrm>
+      </p:grpSpPr>
+      <p:sp>
+        <p:nvSpPr>
+          <p:cNvPr id="94" name="Google Shape;94;p14"/>
+          <p:cNvSpPr txBox="1"/>
+          <p:nvPr/>
+        </p:nvSpPr>
+        <p:spPr>
+          <a:xfrm>
+            <a:off x="542073" y="774625"/>
+            <a:ext cx="1747200" cy="507801"/>
+          </a:xfrm>
+          <a:prstGeom prst="rect">
+            <a:avLst/>
+          </a:prstGeom>
+          <a:noFill/>
+          <a:ln>
+            <a:noFill/>
+          </a:ln>
+        </p:spPr>
+        <p:txBody>
+          <a:bodyPr spcFirstLastPara="1" wrap="square" lIns="91425" tIns="91425" rIns="91425" bIns="91425" anchor="t" anchorCtr="0">
+            <a:spAutoFit/>
+          </a:bodyPr>
+          <a:lstStyle/>
+          <a:p>
+            <a:pPr marL="0" lvl="0" indent="0" algn="l" rtl="0">
+              <a:spcBef>
+                <a:spcPts val="0"/>
+              </a:spcBef>
+              <a:spcAft>
+                <a:spcPts val="0"/>
+              </a:spcAft>
+              <a:buNone/>
+            </a:pPr>
+            <a:r>
+              <a:rPr lang="en-GB" sz="2100" dirty="0" smtClean="0">
+                <a:latin typeface="Lato Black"/>
+                <a:ea typeface="Lato Black"/>
+                <a:cs typeface="Lato Black"/>
+                <a:sym typeface="Lato Black"/>
+              </a:rPr>
+              <a:t>About me</a:t>
+            </a:r>
+            <a:endParaRPr sz="2100" dirty="0">
+              <a:latin typeface="Lato Black"/>
+              <a:ea typeface="Lato Black"/>
+              <a:cs typeface="Lato Black"/>
+              <a:sym typeface="Lato Black"/>
+            </a:endParaRPr>
+          </a:p>
+        </p:txBody>
+      </p:sp>
+      <p:sp>
+        <p:nvSpPr>
+          <p:cNvPr id="96" name="Google Shape;96;p14"/>
+          <p:cNvSpPr txBox="1"/>
+          <p:nvPr/>
+        </p:nvSpPr>
+        <p:spPr>
+          <a:xfrm>
+            <a:off x="4100775" y="882325"/>
+            <a:ext cx="3599400" cy="400200"/>
+          </a:xfrm>
+          <a:prstGeom prst="rect">
+            <a:avLst/>
+          </a:prstGeom>
+          <a:noFill/>
+          <a:ln>
+            <a:noFill/>
+          </a:ln>
+        </p:spPr>
+        <p:txBody>
+          <a:bodyPr spcFirstLastPara="1" wrap="square" lIns="91425" tIns="91425" rIns="91425" bIns="91425" anchor="t" anchorCtr="0">
+            <a:spAutoFit/>
+          </a:bodyPr>
+          <a:lstStyle/>
+          <a:p>
+            <a:pPr marL="0" lvl="0" indent="0" algn="l" rtl="0">
+              <a:spcBef>
+                <a:spcPts val="0"/>
+              </a:spcBef>
+              <a:spcAft>
+                <a:spcPts val="0"/>
+              </a:spcAft>
+              <a:buNone/>
+            </a:pPr>
+            <a:endParaRPr>
+              <a:latin typeface="Lato"/>
+              <a:ea typeface="Lato"/>
+              <a:cs typeface="Lato"/>
+              <a:sym typeface="Lato"/>
+            </a:endParaRPr>
+          </a:p>
+        </p:txBody>
+      </p:sp>
+      <p:sp>
+        <p:nvSpPr>
+          <p:cNvPr id="97" name="Google Shape;97;p14"/>
+          <p:cNvSpPr txBox="1"/>
+          <p:nvPr/>
+        </p:nvSpPr>
+        <p:spPr>
+          <a:xfrm>
+            <a:off x="3079423" y="1374521"/>
+            <a:ext cx="5035200" cy="3416290"/>
+          </a:xfrm>
+          <a:prstGeom prst="rect">
+            <a:avLst/>
+          </a:prstGeom>
+          <a:noFill/>
+          <a:ln>
+            <a:noFill/>
+          </a:ln>
+        </p:spPr>
+        <p:txBody>
+          <a:bodyPr spcFirstLastPara="1" wrap="square" lIns="91425" tIns="91425" rIns="91425" bIns="91425" anchor="t" anchorCtr="0">
+            <a:spAutoFit/>
+          </a:bodyPr>
+          <a:lstStyle/>
+          <a:p>
+            <a:pPr marL="0" lvl="0" indent="0" algn="l" rtl="0">
+              <a:spcBef>
+                <a:spcPts val="0"/>
+              </a:spcBef>
+              <a:spcAft>
+                <a:spcPts val="0"/>
+              </a:spcAft>
+              <a:buNone/>
+            </a:pPr>
+            <a:r>
+              <a:rPr lang="en-GB" b="1" dirty="0" smtClean="0">
+                <a:latin typeface="Lato"/>
+                <a:ea typeface="Lato"/>
+                <a:cs typeface="Lato"/>
+                <a:sym typeface="Lato"/>
+              </a:rPr>
+              <a:t>“</a:t>
+            </a:r>
+            <a:r>
+              <a:rPr lang="en-GB" dirty="0" smtClean="0">
+                <a:latin typeface="Lato"/>
+                <a:ea typeface="Lato"/>
+                <a:cs typeface="Lato"/>
+                <a:sym typeface="Lato"/>
+              </a:rPr>
+              <a:t>I am Huynh Truong TU, currently a senior student at </a:t>
+            </a:r>
+            <a:r>
+              <a:rPr lang="en-GB" i="1" dirty="0" smtClean="0">
+                <a:latin typeface="Lato"/>
+                <a:ea typeface="Lato"/>
+                <a:cs typeface="Lato"/>
+                <a:sym typeface="Lato"/>
+              </a:rPr>
+              <a:t>HCM city university of Technology </a:t>
+            </a:r>
+            <a:r>
+              <a:rPr lang="en-GB" dirty="0" smtClean="0">
+                <a:latin typeface="Lato"/>
+                <a:ea typeface="Lato"/>
+                <a:cs typeface="Lato"/>
+                <a:sym typeface="Lato"/>
+              </a:rPr>
+              <a:t>and on-going DIVE INTO CODE course.</a:t>
+            </a:r>
+          </a:p>
+          <a:p>
+            <a:pPr marL="0" lvl="0" indent="0" algn="l" rtl="0">
+              <a:spcBef>
+                <a:spcPts val="0"/>
+              </a:spcBef>
+              <a:spcAft>
+                <a:spcPts val="0"/>
+              </a:spcAft>
+              <a:buNone/>
+            </a:pPr>
+            <a:r>
+              <a:rPr lang="en-GB" dirty="0" smtClean="0">
+                <a:latin typeface="Lato"/>
+                <a:ea typeface="Lato"/>
+                <a:cs typeface="Lato"/>
+                <a:sym typeface="Lato"/>
+              </a:rPr>
+              <a:t>With the guidance from the instructors, I managed to finish all the sprint assignments and now this is my graduation project. Thank you very much!”</a:t>
+            </a:r>
+          </a:p>
+          <a:p>
+            <a:pPr marL="0" lvl="0" indent="0" algn="l" rtl="0">
+              <a:spcBef>
+                <a:spcPts val="0"/>
+              </a:spcBef>
+              <a:spcAft>
+                <a:spcPts val="0"/>
+              </a:spcAft>
+              <a:buNone/>
+            </a:pPr>
+            <a:endParaRPr lang="en-GB" b="1" dirty="0" smtClean="0">
+              <a:latin typeface="Lato"/>
+              <a:ea typeface="Lato"/>
+              <a:cs typeface="Lato"/>
+              <a:sym typeface="Lato"/>
+            </a:endParaRPr>
+          </a:p>
+          <a:p>
+            <a:pPr marL="285750" lvl="0" indent="-285750" algn="just" rtl="0">
+              <a:spcBef>
+                <a:spcPts val="0"/>
+              </a:spcBef>
+              <a:spcAft>
+                <a:spcPts val="0"/>
+              </a:spcAft>
+              <a:buFont typeface="Arial" panose="020B0604020202020204" pitchFamily="34" charset="0"/>
+              <a:buChar char="•"/>
+            </a:pPr>
+            <a:r>
+              <a:rPr lang="en-GB" dirty="0" smtClean="0">
+                <a:latin typeface="Lato"/>
+                <a:ea typeface="Lato"/>
+                <a:cs typeface="Lato"/>
+                <a:sym typeface="Lato"/>
+              </a:rPr>
+              <a:t>The overall of this assignment is that it is a NLP-related project where the models will process the text content from a website then predict </a:t>
+            </a:r>
+            <a:r>
+              <a:rPr lang="en-GB" dirty="0" smtClean="0">
+                <a:latin typeface="Lato"/>
+                <a:ea typeface="Lato"/>
+                <a:cs typeface="Lato"/>
+                <a:sym typeface="Lato"/>
+              </a:rPr>
+              <a:t>which</a:t>
+            </a:r>
+            <a:r>
+              <a:rPr lang="en-GB" dirty="0" smtClean="0">
+                <a:latin typeface="Lato"/>
+                <a:ea typeface="Lato"/>
+                <a:cs typeface="Lato"/>
+                <a:sym typeface="Lato"/>
+              </a:rPr>
+              <a:t> industry the website belongs to.</a:t>
+            </a:r>
+          </a:p>
+          <a:p>
+            <a:pPr marL="285750" lvl="0" indent="-285750" algn="just" rtl="0">
+              <a:spcBef>
+                <a:spcPts val="0"/>
+              </a:spcBef>
+              <a:spcAft>
+                <a:spcPts val="0"/>
+              </a:spcAft>
+              <a:buFont typeface="Arial" panose="020B0604020202020204" pitchFamily="34" charset="0"/>
+              <a:buChar char="•"/>
+            </a:pPr>
+            <a:r>
+              <a:rPr lang="en-GB" dirty="0" smtClean="0">
+                <a:latin typeface="Lato"/>
+                <a:ea typeface="Lato"/>
+                <a:cs typeface="Lato"/>
+                <a:sym typeface="Lato"/>
+              </a:rPr>
+              <a:t>I use pure statistics of the “key words” of each industry field so that the models can “weight” the class of an sample base on the number of “key words” it holds.</a:t>
+            </a:r>
+            <a:endParaRPr lang="en-GB" dirty="0" smtClean="0">
+              <a:latin typeface="Lato"/>
+              <a:ea typeface="Lato"/>
+              <a:cs typeface="Lato"/>
+              <a:sym typeface="Lato"/>
+            </a:endParaRPr>
+          </a:p>
+          <a:p>
+            <a:pPr marL="285750" lvl="0" indent="-285750" algn="just" rtl="0">
+              <a:spcBef>
+                <a:spcPts val="0"/>
+              </a:spcBef>
+              <a:spcAft>
+                <a:spcPts val="0"/>
+              </a:spcAft>
+              <a:buFont typeface="Arial" panose="020B0604020202020204" pitchFamily="34" charset="0"/>
+              <a:buChar char="•"/>
+            </a:pPr>
+            <a:r>
+              <a:rPr lang="en-GB" dirty="0" smtClean="0">
+                <a:latin typeface="Lato"/>
+                <a:ea typeface="Lato"/>
+                <a:cs typeface="Lato"/>
+                <a:sym typeface="Lato"/>
+              </a:rPr>
+              <a:t>The output of this project can be used as input for other fields such as marketing or data analytics.</a:t>
+            </a:r>
+            <a:endParaRPr dirty="0">
+              <a:latin typeface="Lato"/>
+              <a:ea typeface="Lato"/>
+              <a:cs typeface="Lato"/>
+              <a:sym typeface="Lato"/>
+            </a:endParaRPr>
+          </a:p>
+        </p:txBody>
+      </p:sp>
+      <p:pic>
+        <p:nvPicPr>
+          <p:cNvPr id="3" name="Picture 2"/>
+          <p:cNvPicPr>
+            <a:picLocks noChangeAspect="1"/>
+          </p:cNvPicPr>
+          <p:nvPr/>
+        </p:nvPicPr>
+        <p:blipFill>
+          <a:blip r:embed="rId3">
+            <a:extLst>
+              <a:ext uri="{28A0092B-C50C-407E-A947-70E740481C1C}">
+                <a14:useLocalDpi xmlns:a14="http://schemas.microsoft.com/office/drawing/2010/main" val="0"/>
+              </a:ext>
+            </a:extLst>
+          </a:blip>
+          <a:stretch>
+            <a:fillRect/>
+          </a:stretch>
+        </p:blipFill>
+        <p:spPr>
+          <a:xfrm>
+            <a:off x="542073" y="1526193"/>
+            <a:ext cx="2274430" cy="2276132"/>
+          </a:xfrm>
+          <a:prstGeom prst="ellipse">
+            <a:avLst/>
+          </a:prstGeom>
+          <a:ln w="9525" cap="rnd">
+            <a:solidFill>
+              <a:schemeClr val="bg1"/>
+            </a:solidFill>
+          </a:ln>
+          <a:effectLst/>
+        </p:spPr>
+      </p:pic>
+    </p:spTree>
+  </p:cSld>
+  <p:clrMapOvr>
+    <a:masterClrMapping/>
+  </p:clrMapOvr>
+</p:sld>
+</file>
+
+<file path=ppt/slides/slide3.xml><?xml version="1.0" encoding="utf-8"?>
 <p:sld xmlns:a="http://schemas.openxmlformats.org/drawingml/2006/main" xmlns:r="http://schemas.openxmlformats.org/officeDocument/2006/relationships" xmlns:p="http://schemas.openxmlformats.org/presentationml/2006/main">
   <p:cSld>
     <p:spTree>
@@ -11332,6 +12121,11 @@
         </p:txBody>
       </p:sp>
     </p:spTree>
+    <p:extLst>
+      <p:ext uri="{BB962C8B-B14F-4D97-AF65-F5344CB8AC3E}">
+        <p14:creationId xmlns:p14="http://schemas.microsoft.com/office/powerpoint/2010/main" val="4074800720"/>
+      </p:ext>
+    </p:extLst>
   </p:cSld>
   <p:clrMapOvr>
     <a:masterClrMapping/>
@@ -11339,7 +12133,7 @@
 </p:sld>
 </file>
 
-<file path=ppt/slides/slide3.xml><?xml version="1.0" encoding="utf-8"?>
+<file path=ppt/slides/slide4.xml><?xml version="1.0" encoding="utf-8"?>
 <p:sld xmlns:a="http://schemas.openxmlformats.org/drawingml/2006/main" xmlns:r="http://schemas.openxmlformats.org/officeDocument/2006/relationships" xmlns:p="http://schemas.openxmlformats.org/presentationml/2006/main">
   <p:cSld>
     <p:spTree>
@@ -11602,7 +12396,7 @@
 </p:sld>
 </file>
 
-<file path=ppt/slides/slide4.xml><?xml version="1.0" encoding="utf-8"?>
+<file path=ppt/slides/slide5.xml><?xml version="1.0" encoding="utf-8"?>
 <p:sld xmlns:a="http://schemas.openxmlformats.org/drawingml/2006/main" xmlns:r="http://schemas.openxmlformats.org/officeDocument/2006/relationships" xmlns:p="http://schemas.openxmlformats.org/presentationml/2006/main">
   <p:cSld>
     <p:spTree>
@@ -11707,7 +12501,7 @@
 </p:sld>
 </file>
 
-<file path=ppt/slides/slide5.xml><?xml version="1.0" encoding="utf-8"?>
+<file path=ppt/slides/slide6.xml><?xml version="1.0" encoding="utf-8"?>
 <p:sld xmlns:a="http://schemas.openxmlformats.org/drawingml/2006/main" xmlns:r="http://schemas.openxmlformats.org/officeDocument/2006/relationships" xmlns:p="http://schemas.openxmlformats.org/presentationml/2006/main">
   <p:cSld>
     <p:spTree>
@@ -11982,7 +12776,7 @@
 </p:sld>
 </file>
 
-<file path=ppt/slides/slide6.xml><?xml version="1.0" encoding="utf-8"?>
+<file path=ppt/slides/slide7.xml><?xml version="1.0" encoding="utf-8"?>
 <p:sld xmlns:a="http://schemas.openxmlformats.org/drawingml/2006/main" xmlns:r="http://schemas.openxmlformats.org/officeDocument/2006/relationships" xmlns:p="http://schemas.openxmlformats.org/presentationml/2006/main">
   <p:cSld>
     <p:spTree>
@@ -13186,7 +13980,7 @@
 </p:sld>
 </file>
 
-<file path=ppt/slides/slide7.xml><?xml version="1.0" encoding="utf-8"?>
+<file path=ppt/slides/slide8.xml><?xml version="1.0" encoding="utf-8"?>
 <p:sld xmlns:a="http://schemas.openxmlformats.org/drawingml/2006/main" xmlns:r="http://schemas.openxmlformats.org/officeDocument/2006/relationships" xmlns:p="http://schemas.openxmlformats.org/presentationml/2006/main">
   <p:cSld>
     <p:spTree>
@@ -13334,7 +14128,7 @@
 </p:sld>
 </file>
 
-<file path=ppt/slides/slide8.xml><?xml version="1.0" encoding="utf-8"?>
+<file path=ppt/slides/slide9.xml><?xml version="1.0" encoding="utf-8"?>
 <p:sld xmlns:a="http://schemas.openxmlformats.org/drawingml/2006/main" xmlns:r="http://schemas.openxmlformats.org/officeDocument/2006/relationships" xmlns:p="http://schemas.openxmlformats.org/presentationml/2006/main">
   <p:cSld>
     <p:spTree>
@@ -13431,326 +14225,6 @@
           </a:ln>
         </p:spPr>
       </p:pic>
-    </p:spTree>
-  </p:cSld>
-  <p:clrMapOvr>
-    <a:masterClrMapping/>
-  </p:clrMapOvr>
-</p:sld>
-</file>
-
-<file path=ppt/slides/slide9.xml><?xml version="1.0" encoding="utf-8"?>
-<p:sld xmlns:a="http://schemas.openxmlformats.org/drawingml/2006/main" xmlns:r="http://schemas.openxmlformats.org/officeDocument/2006/relationships" xmlns:p="http://schemas.openxmlformats.org/presentationml/2006/main">
-  <p:cSld>
-    <p:spTree>
-      <p:nvGrpSpPr>
-        <p:cNvPr id="1" name="Shape 169"/>
-        <p:cNvGrpSpPr/>
-        <p:nvPr/>
-      </p:nvGrpSpPr>
-      <p:grpSpPr>
-        <a:xfrm>
-          <a:off x="0" y="0"/>
-          <a:ext cx="0" cy="0"/>
-          <a:chOff x="0" y="0"/>
-          <a:chExt cx="0" cy="0"/>
-        </a:xfrm>
-      </p:grpSpPr>
-      <p:sp>
-        <p:nvSpPr>
-          <p:cNvPr id="170" name="Google Shape;170;p21"/>
-          <p:cNvSpPr txBox="1"/>
-          <p:nvPr/>
-        </p:nvSpPr>
-        <p:spPr>
-          <a:xfrm>
-            <a:off x="669754" y="447182"/>
-            <a:ext cx="3000000" cy="831300"/>
-          </a:xfrm>
-          <a:prstGeom prst="rect">
-            <a:avLst/>
-          </a:prstGeom>
-          <a:noFill/>
-          <a:ln>
-            <a:noFill/>
-          </a:ln>
-        </p:spPr>
-        <p:txBody>
-          <a:bodyPr spcFirstLastPara="1" wrap="square" lIns="91425" tIns="91425" rIns="91425" bIns="91425" anchor="t" anchorCtr="0">
-            <a:spAutoFit/>
-          </a:bodyPr>
-          <a:lstStyle/>
-          <a:p>
-            <a:pPr marL="0" lvl="0" indent="0" algn="l" rtl="0">
-              <a:spcBef>
-                <a:spcPts val="0"/>
-              </a:spcBef>
-              <a:spcAft>
-                <a:spcPts val="0"/>
-              </a:spcAft>
-              <a:buNone/>
-            </a:pPr>
-            <a:r>
-              <a:rPr lang="en-GB" sz="2100">
-                <a:latin typeface="Lato Black"/>
-                <a:ea typeface="Lato Black"/>
-                <a:cs typeface="Lato Black"/>
-                <a:sym typeface="Lato Black"/>
-              </a:rPr>
-              <a:t>N-gram Language Model</a:t>
-            </a:r>
-            <a:endParaRPr sz="2100">
-              <a:latin typeface="Lato Black"/>
-              <a:ea typeface="Lato Black"/>
-              <a:cs typeface="Lato Black"/>
-              <a:sym typeface="Lato Black"/>
-            </a:endParaRPr>
-          </a:p>
-        </p:txBody>
-      </p:sp>
-      <p:sp>
-        <p:nvSpPr>
-          <p:cNvPr id="171" name="Google Shape;171;p21"/>
-          <p:cNvSpPr txBox="1"/>
-          <p:nvPr/>
-        </p:nvSpPr>
-        <p:spPr>
-          <a:xfrm>
-            <a:off x="745951" y="1449821"/>
-            <a:ext cx="6888000" cy="415500"/>
-          </a:xfrm>
-          <a:prstGeom prst="rect">
-            <a:avLst/>
-          </a:prstGeom>
-          <a:noFill/>
-          <a:ln>
-            <a:noFill/>
-          </a:ln>
-        </p:spPr>
-        <p:txBody>
-          <a:bodyPr spcFirstLastPara="1" wrap="square" lIns="91425" tIns="91425" rIns="91425" bIns="91425" anchor="t" anchorCtr="0">
-            <a:spAutoFit/>
-          </a:bodyPr>
-          <a:lstStyle/>
-          <a:p>
-            <a:pPr marL="0" lvl="0" indent="0" algn="l" rtl="0">
-              <a:spcBef>
-                <a:spcPts val="0"/>
-              </a:spcBef>
-              <a:spcAft>
-                <a:spcPts val="0"/>
-              </a:spcAft>
-              <a:buNone/>
-            </a:pPr>
-            <a:r>
-              <a:rPr lang="en-GB" sz="1500"/>
-              <a:t>An N-gram is a sequence of N tokens (or words).</a:t>
-            </a:r>
-            <a:endParaRPr sz="1500"/>
-          </a:p>
-        </p:txBody>
-      </p:sp>
-      <p:sp>
-        <p:nvSpPr>
-          <p:cNvPr id="172" name="Google Shape;172;p21"/>
-          <p:cNvSpPr txBox="1"/>
-          <p:nvPr/>
-        </p:nvSpPr>
-        <p:spPr>
-          <a:xfrm>
-            <a:off x="0" y="1905000"/>
-            <a:ext cx="9144000" cy="415500"/>
-          </a:xfrm>
-          <a:prstGeom prst="rect">
-            <a:avLst/>
-          </a:prstGeom>
-          <a:noFill/>
-          <a:ln>
-            <a:noFill/>
-          </a:ln>
-        </p:spPr>
-        <p:txBody>
-          <a:bodyPr spcFirstLastPara="1" wrap="square" lIns="91425" tIns="91425" rIns="91425" bIns="91425" anchor="t" anchorCtr="0">
-            <a:spAutoFit/>
-          </a:bodyPr>
-          <a:lstStyle/>
-          <a:p>
-            <a:pPr marL="0" lvl="0" indent="0" algn="ctr" rtl="0">
-              <a:spcBef>
-                <a:spcPts val="0"/>
-              </a:spcBef>
-              <a:spcAft>
-                <a:spcPts val="0"/>
-              </a:spcAft>
-              <a:buNone/>
-            </a:pPr>
-            <a:r>
-              <a:rPr lang="en-GB" sz="1500"/>
-              <a:t>“I learn data mining.”</a:t>
-            </a:r>
-            <a:endParaRPr sz="1500"/>
-          </a:p>
-        </p:txBody>
-      </p:sp>
-      <p:sp>
-        <p:nvSpPr>
-          <p:cNvPr id="173" name="Google Shape;173;p21"/>
-          <p:cNvSpPr txBox="1"/>
-          <p:nvPr/>
-        </p:nvSpPr>
-        <p:spPr>
-          <a:xfrm>
-            <a:off x="745950" y="2362200"/>
-            <a:ext cx="7836600" cy="1108200"/>
-          </a:xfrm>
-          <a:prstGeom prst="rect">
-            <a:avLst/>
-          </a:prstGeom>
-          <a:noFill/>
-          <a:ln>
-            <a:noFill/>
-          </a:ln>
-        </p:spPr>
-        <p:txBody>
-          <a:bodyPr spcFirstLastPara="1" wrap="square" lIns="91425" tIns="91425" rIns="91425" bIns="91425" anchor="t" anchorCtr="0">
-            <a:spAutoFit/>
-          </a:bodyPr>
-          <a:lstStyle/>
-          <a:p>
-            <a:pPr marL="457200" lvl="0" indent="-323850" algn="l" rtl="0">
-              <a:spcBef>
-                <a:spcPts val="0"/>
-              </a:spcBef>
-              <a:spcAft>
-                <a:spcPts val="0"/>
-              </a:spcAft>
-              <a:buSzPts val="1500"/>
-              <a:buChar char="●"/>
-            </a:pPr>
-            <a:r>
-              <a:rPr lang="en-GB" sz="1500"/>
-              <a:t>A 1-gram (or </a:t>
-            </a:r>
-            <a:r>
-              <a:rPr lang="en-GB" sz="1500" b="1"/>
-              <a:t>unigram</a:t>
-            </a:r>
-            <a:r>
-              <a:rPr lang="en-GB" sz="1500"/>
-              <a:t>) is a one-word sequence: </a:t>
-            </a:r>
-            <a:br>
-              <a:rPr lang="en-GB" sz="1500"/>
-            </a:br>
-            <a:r>
-              <a:rPr lang="en-GB" sz="1500"/>
-              <a:t>“I”, “learn”, “data”, “mining”.</a:t>
-            </a:r>
-            <a:endParaRPr sz="1500"/>
-          </a:p>
-          <a:p>
-            <a:pPr marL="457200" lvl="0" indent="-323850" algn="l" rtl="0">
-              <a:spcBef>
-                <a:spcPts val="0"/>
-              </a:spcBef>
-              <a:spcAft>
-                <a:spcPts val="0"/>
-              </a:spcAft>
-              <a:buSzPts val="1500"/>
-              <a:buChar char="●"/>
-            </a:pPr>
-            <a:r>
-              <a:rPr lang="en-GB" sz="1500"/>
-              <a:t>A 2-gram (or </a:t>
-            </a:r>
-            <a:r>
-              <a:rPr lang="en-GB" sz="1500" b="1"/>
-              <a:t>bigram</a:t>
-            </a:r>
-            <a:r>
-              <a:rPr lang="en-GB" sz="1500"/>
-              <a:t>) is a two-word sequence of words:</a:t>
-            </a:r>
-            <a:br>
-              <a:rPr lang="en-GB" sz="1500"/>
-            </a:br>
-            <a:r>
-              <a:rPr lang="en-GB" sz="1500"/>
-              <a:t>“I learn”, “learn data”, “data mining”. -&gt; bigger size regarding bags of words</a:t>
-            </a:r>
-            <a:endParaRPr sz="1500"/>
-          </a:p>
-        </p:txBody>
-      </p:sp>
-      <p:sp>
-        <p:nvSpPr>
-          <p:cNvPr id="174" name="Google Shape;174;p21"/>
-          <p:cNvSpPr txBox="1"/>
-          <p:nvPr/>
-        </p:nvSpPr>
-        <p:spPr>
-          <a:xfrm>
-            <a:off x="256675" y="3519225"/>
-            <a:ext cx="7836600" cy="646500"/>
-          </a:xfrm>
-          <a:prstGeom prst="rect">
-            <a:avLst/>
-          </a:prstGeom>
-          <a:noFill/>
-          <a:ln>
-            <a:noFill/>
-          </a:ln>
-        </p:spPr>
-        <p:txBody>
-          <a:bodyPr spcFirstLastPara="1" wrap="square" lIns="91425" tIns="91425" rIns="91425" bIns="91425" anchor="t" anchorCtr="0">
-            <a:spAutoFit/>
-          </a:bodyPr>
-          <a:lstStyle/>
-          <a:p>
-            <a:pPr marL="457200" lvl="0" indent="-323850" algn="l" rtl="0">
-              <a:spcBef>
-                <a:spcPts val="0"/>
-              </a:spcBef>
-              <a:spcAft>
-                <a:spcPts val="0"/>
-              </a:spcAft>
-              <a:buSzPts val="1500"/>
-              <a:buFont typeface="Lato"/>
-              <a:buChar char="➢"/>
-            </a:pPr>
-            <a:r>
-              <a:rPr lang="en-GB" sz="1500">
-                <a:latin typeface="Lato"/>
-                <a:ea typeface="Lato"/>
-                <a:cs typeface="Lato"/>
-                <a:sym typeface="Lato"/>
-              </a:rPr>
-              <a:t>In this mini project concept ( predict using occurrence of keywords - TfIDF) →  </a:t>
-            </a:r>
-            <a:r>
-              <a:rPr lang="en-GB" sz="1500">
-                <a:solidFill>
-                  <a:srgbClr val="CC4125"/>
-                </a:solidFill>
-                <a:latin typeface="Lato"/>
-                <a:ea typeface="Lato"/>
-                <a:cs typeface="Lato"/>
-                <a:sym typeface="Lato"/>
-              </a:rPr>
-              <a:t>mainly using unigram</a:t>
-            </a:r>
-            <a:endParaRPr sz="1500">
-              <a:solidFill>
-                <a:srgbClr val="CC4125"/>
-              </a:solidFill>
-              <a:latin typeface="Lato"/>
-              <a:ea typeface="Lato"/>
-              <a:cs typeface="Lato"/>
-              <a:sym typeface="Lato"/>
-            </a:endParaRPr>
-          </a:p>
-        </p:txBody>
-      </p:sp>
     </p:spTree>
   </p:cSld>
   <p:clrMapOvr>
